--- a/WorkingPrinciple-Reac4CatOntology.pptx
+++ b/WorkingPrinciple-Reac4CatOntology.pptx
@@ -8,14 +8,17 @@
   <p:notesMasterIdLst>
     <p:notesMasterId r:id="rId7"/>
   </p:notesMasterIdLst>
+  <p:handoutMasterIdLst>
+    <p:handoutMasterId r:id="rId8"/>
+  </p:handoutMasterIdLst>
   <p:sldIdLst>
     <p:sldId id="256" r:id="rId3"/>
     <p:sldId id="285" r:id="rId4"/>
-    <p:sldId id="287" r:id="rId5"/>
-    <p:sldId id="282" r:id="rId6"/>
+    <p:sldId id="290" r:id="rId5"/>
+    <p:sldId id="287" r:id="rId6"/>
   </p:sldIdLst>
   <p:sldSz cx="12192000" cy="6858000"/>
-  <p:notesSz cx="6797675" cy="9926638"/>
+  <p:notesSz cx="7315200" cy="9601200"/>
   <p:defaultTextStyle>
     <a:defPPr marR="0" lvl="0" algn="l" rtl="0">
       <a:lnSpc>
@@ -269,6 +272,171 @@
 </p:presentation>
 </file>
 
+<file path=ppt/handoutMasters/handoutMaster1.xml><?xml version="1.0" encoding="utf-8"?>
+<p:handoutMaster xmlns:a="http://schemas.openxmlformats.org/drawingml/2006/main" xmlns:r="http://schemas.openxmlformats.org/officeDocument/2006/relationships" xmlns:p="http://schemas.openxmlformats.org/presentationml/2006/main">
+  <p:cSld>
+    <p:bg>
+      <p:bgRef idx="1001">
+        <a:schemeClr val="bg1"/>
+      </p:bgRef>
+    </p:bg>
+    <p:spTree>
+      <p:nvGrpSpPr>
+        <p:cNvPr id="1" name=""/>
+        <p:cNvGrpSpPr/>
+        <p:nvPr/>
+      </p:nvGrpSpPr>
+      <p:grpSpPr>
+        <a:xfrm>
+          <a:off x="0" y="0"/>
+          <a:ext cx="0" cy="0"/>
+          <a:chOff x="0" y="0"/>
+          <a:chExt cx="0" cy="0"/>
+        </a:xfrm>
+      </p:grpSpPr>
+      <p:sp>
+        <p:nvSpPr>
+          <p:cNvPr id="2" name="Header Placeholder 1"/>
+          <p:cNvSpPr>
+            <a:spLocks noGrp="1"/>
+          </p:cNvSpPr>
+          <p:nvPr>
+            <p:ph type="hdr" sz="quarter"/>
+          </p:nvPr>
+        </p:nvSpPr>
+        <p:spPr>
+          <a:xfrm>
+            <a:off x="0" y="0"/>
+            <a:ext cx="3170238" cy="481013"/>
+          </a:xfrm>
+          <a:prstGeom prst="rect">
+            <a:avLst/>
+          </a:prstGeom>
+        </p:spPr>
+        <p:txBody>
+          <a:bodyPr vert="horz" lIns="91440" tIns="45720" rIns="91440" bIns="45720" rtlCol="0"/>
+          <a:lstStyle>
+            <a:lvl1pPr algn="l">
+              <a:defRPr sz="1200"/>
+            </a:lvl1pPr>
+          </a:lstStyle>
+          <a:p>
+            <a:endParaRPr lang="en-US"/>
+          </a:p>
+        </p:txBody>
+      </p:sp>
+      <p:sp>
+        <p:nvSpPr>
+          <p:cNvPr id="3" name="Date Placeholder 2"/>
+          <p:cNvSpPr>
+            <a:spLocks noGrp="1"/>
+          </p:cNvSpPr>
+          <p:nvPr>
+            <p:ph type="dt" sz="quarter" idx="1"/>
+          </p:nvPr>
+        </p:nvSpPr>
+        <p:spPr>
+          <a:xfrm>
+            <a:off x="4143375" y="0"/>
+            <a:ext cx="3170238" cy="481013"/>
+          </a:xfrm>
+          <a:prstGeom prst="rect">
+            <a:avLst/>
+          </a:prstGeom>
+        </p:spPr>
+        <p:txBody>
+          <a:bodyPr vert="horz" lIns="91440" tIns="45720" rIns="91440" bIns="45720" rtlCol="0"/>
+          <a:lstStyle>
+            <a:lvl1pPr algn="r">
+              <a:defRPr sz="1200"/>
+            </a:lvl1pPr>
+          </a:lstStyle>
+          <a:p>
+            <a:fld id="{68770B1A-BB42-4DC9-9A9C-95B3394E4A64}" type="datetimeFigureOut">
+              <a:rPr lang="en-US" smtClean="0"/>
+              <a:t>8/7/2023</a:t>
+            </a:fld>
+            <a:endParaRPr lang="en-US"/>
+          </a:p>
+        </p:txBody>
+      </p:sp>
+      <p:sp>
+        <p:nvSpPr>
+          <p:cNvPr id="4" name="Footer Placeholder 3"/>
+          <p:cNvSpPr>
+            <a:spLocks noGrp="1"/>
+          </p:cNvSpPr>
+          <p:nvPr>
+            <p:ph type="ftr" sz="quarter" idx="2"/>
+          </p:nvPr>
+        </p:nvSpPr>
+        <p:spPr>
+          <a:xfrm>
+            <a:off x="0" y="9120189"/>
+            <a:ext cx="3170238" cy="481012"/>
+          </a:xfrm>
+          <a:prstGeom prst="rect">
+            <a:avLst/>
+          </a:prstGeom>
+        </p:spPr>
+        <p:txBody>
+          <a:bodyPr vert="horz" lIns="91440" tIns="45720" rIns="91440" bIns="45720" rtlCol="0" anchor="b"/>
+          <a:lstStyle>
+            <a:lvl1pPr algn="l">
+              <a:defRPr sz="1200"/>
+            </a:lvl1pPr>
+          </a:lstStyle>
+          <a:p>
+            <a:endParaRPr lang="en-US"/>
+          </a:p>
+        </p:txBody>
+      </p:sp>
+      <p:sp>
+        <p:nvSpPr>
+          <p:cNvPr id="5" name="Slide Number Placeholder 4"/>
+          <p:cNvSpPr>
+            <a:spLocks noGrp="1"/>
+          </p:cNvSpPr>
+          <p:nvPr>
+            <p:ph type="sldNum" sz="quarter" idx="3"/>
+          </p:nvPr>
+        </p:nvSpPr>
+        <p:spPr>
+          <a:xfrm>
+            <a:off x="4143375" y="9120189"/>
+            <a:ext cx="3170238" cy="481012"/>
+          </a:xfrm>
+          <a:prstGeom prst="rect">
+            <a:avLst/>
+          </a:prstGeom>
+        </p:spPr>
+        <p:txBody>
+          <a:bodyPr vert="horz" lIns="91440" tIns="45720" rIns="91440" bIns="45720" rtlCol="0" anchor="b"/>
+          <a:lstStyle>
+            <a:lvl1pPr algn="r">
+              <a:defRPr sz="1200"/>
+            </a:lvl1pPr>
+          </a:lstStyle>
+          <a:p>
+            <a:fld id="{90D8523C-8BC0-4ECA-8269-8C87B13E6B30}" type="slidenum">
+              <a:rPr lang="en-US" smtClean="0"/>
+              <a:t>‹#›</a:t>
+            </a:fld>
+            <a:endParaRPr lang="en-US"/>
+          </a:p>
+        </p:txBody>
+      </p:sp>
+    </p:spTree>
+    <p:extLst>
+      <p:ext uri="{BB962C8B-B14F-4D97-AF65-F5344CB8AC3E}">
+        <p14:creationId xmlns:p14="http://schemas.microsoft.com/office/powerpoint/2010/main" val="2174456783"/>
+      </p:ext>
+    </p:extLst>
+  </p:cSld>
+  <p:clrMap bg1="lt1" tx1="dk1" bg2="lt2" tx2="dk2" accent1="accent1" accent2="accent2" accent3="accent3" accent4="accent4" accent5="accent5" accent6="accent6" hlink="hlink" folHlink="folHlink"/>
+</p:handoutMaster>
+</file>
+
 <file path=ppt/notesMasters/notesMaster1.xml><?xml version="1.0" encoding="utf-8"?>
 <p:notesMaster xmlns:a="http://schemas.openxmlformats.org/drawingml/2006/main" xmlns:r="http://schemas.openxmlformats.org/officeDocument/2006/relationships" xmlns:p="http://schemas.openxmlformats.org/presentationml/2006/main">
   <p:cSld>
@@ -306,8 +474,8 @@
         </p:nvSpPr>
         <p:spPr>
           <a:xfrm>
-            <a:off x="0" y="0"/>
-            <a:ext cx="2945659" cy="498056"/>
+            <a:off x="0" y="1"/>
+            <a:ext cx="3169920" cy="481728"/>
           </a:xfrm>
           <a:prstGeom prst="rect">
             <a:avLst/>
@@ -511,8 +679,8 @@
         </p:nvSpPr>
         <p:spPr>
           <a:xfrm>
-            <a:off x="3850443" y="0"/>
-            <a:ext cx="2945659" cy="498056"/>
+            <a:off x="4143588" y="1"/>
+            <a:ext cx="3169920" cy="481728"/>
           </a:xfrm>
           <a:prstGeom prst="rect">
             <a:avLst/>
@@ -716,8 +884,8 @@
         </p:nvSpPr>
         <p:spPr>
           <a:xfrm>
-            <a:off x="422275" y="1241425"/>
-            <a:ext cx="5953125" cy="3349625"/>
+            <a:off x="777875" y="1200150"/>
+            <a:ext cx="5759450" cy="3240088"/>
           </a:xfrm>
           <a:custGeom>
             <a:avLst/>
@@ -767,8 +935,8 @@
         </p:nvSpPr>
         <p:spPr>
           <a:xfrm>
-            <a:off x="679768" y="4777194"/>
-            <a:ext cx="5438140" cy="3908614"/>
+            <a:off x="731521" y="4620577"/>
+            <a:ext cx="5852160" cy="3780473"/>
           </a:xfrm>
           <a:prstGeom prst="rect">
             <a:avLst/>
@@ -972,8 +1140,8 @@
         </p:nvSpPr>
         <p:spPr>
           <a:xfrm>
-            <a:off x="0" y="9428584"/>
-            <a:ext cx="2945659" cy="498055"/>
+            <a:off x="0" y="9119476"/>
+            <a:ext cx="3169920" cy="481727"/>
           </a:xfrm>
           <a:prstGeom prst="rect">
             <a:avLst/>
@@ -1177,8 +1345,8 @@
         </p:nvSpPr>
         <p:spPr>
           <a:xfrm>
-            <a:off x="3850443" y="9428584"/>
-            <a:ext cx="2945659" cy="498055"/>
+            <a:off x="4143588" y="9119476"/>
+            <a:ext cx="3169920" cy="481727"/>
           </a:xfrm>
           <a:prstGeom prst="rect">
             <a:avLst/>
@@ -1491,8 +1659,8 @@
         </p:nvSpPr>
         <p:spPr>
           <a:xfrm>
-            <a:off x="422275" y="1241425"/>
-            <a:ext cx="5953125" cy="3349625"/>
+            <a:off x="777875" y="1200150"/>
+            <a:ext cx="5759450" cy="3240088"/>
           </a:xfrm>
           <a:custGeom>
             <a:avLst/>
@@ -1542,8 +1710,8 @@
         </p:nvSpPr>
         <p:spPr>
           <a:xfrm>
-            <a:off x="679768" y="4777194"/>
-            <a:ext cx="5438140" cy="3908614"/>
+            <a:off x="731521" y="4620577"/>
+            <a:ext cx="5852160" cy="3780473"/>
           </a:xfrm>
           <a:prstGeom prst="rect">
             <a:avLst/>
@@ -1584,8 +1752,8 @@
         </p:nvSpPr>
         <p:spPr>
           <a:xfrm>
-            <a:off x="3850443" y="9428584"/>
-            <a:ext cx="2945659" cy="498055"/>
+            <a:off x="4143588" y="9119476"/>
+            <a:ext cx="3169920" cy="481727"/>
           </a:xfrm>
           <a:prstGeom prst="rect">
             <a:avLst/>
@@ -12697,7 +12865,7 @@
         <p:fade/>
       </p:transition>
     </mc:Choice>
-    <mc:Fallback xmlns="" xmlns:mv="urn:schemas-microsoft-com:mac:vml" xmlns:c="http://schemas.openxmlformats.org/drawingml/2006/chart" xmlns:dgm="http://schemas.openxmlformats.org/drawingml/2006/diagram" xmlns:o="urn:schemas-microsoft-com:office:office" xmlns:v="urn:schemas-microsoft-com:vml" xmlns:pvml="urn:schemas-microsoft-com:office:powerpoint" xmlns:com="http://schemas.openxmlformats.org/drawingml/2006/compatibility" xmlns:p15="http://schemas.microsoft.com/office/powerpoint/2012/main" xmlns:ahyp="http://schemas.microsoft.com/office/drawing/2018/hyperlinkcolor">
+    <mc:Fallback xmlns:ahyp="http://schemas.microsoft.com/office/drawing/2018/hyperlinkcolor" xmlns:p15="http://schemas.microsoft.com/office/powerpoint/2012/main" xmlns:com="http://schemas.openxmlformats.org/drawingml/2006/compatibility" xmlns:pvml="urn:schemas-microsoft-com:office:powerpoint" xmlns:v="urn:schemas-microsoft-com:vml" xmlns:o="urn:schemas-microsoft-com:office:office" xmlns:dgm="http://schemas.openxmlformats.org/drawingml/2006/diagram" xmlns:c="http://schemas.openxmlformats.org/drawingml/2006/chart" xmlns:mv="urn:schemas-microsoft-com:mac:vml" xmlns="">
       <p:transition spd="slow">
         <p:fade/>
       </p:transition>
@@ -16371,6 +16539,483 @@
       </p:sp>
       <p:sp>
         <p:nvSpPr>
+          <p:cNvPr id="5" name="Rectangle 4"/>
+          <p:cNvSpPr/>
+          <p:nvPr/>
+        </p:nvSpPr>
+        <p:spPr>
+          <a:xfrm>
+            <a:off x="7781925" y="1828562"/>
+            <a:ext cx="4219575" cy="1600438"/>
+          </a:xfrm>
+          <a:prstGeom prst="rect">
+            <a:avLst/>
+          </a:prstGeom>
+        </p:spPr>
+        <p:txBody>
+          <a:bodyPr wrap="square">
+            <a:spAutoFit/>
+          </a:bodyPr>
+          <a:lstStyle/>
+          <a:p>
+            <a:r>
+              <a:rPr lang="de-DE" dirty="0" smtClean="0"/>
+              <a:t>{</a:t>
+            </a:r>
+            <a:r>
+              <a:rPr lang="de-DE" dirty="0" err="1"/>
+              <a:t>HaberBosch</a:t>
+            </a:r>
+            <a:r>
+              <a:rPr lang="de-DE" dirty="0"/>
+              <a:t>:{</a:t>
+            </a:r>
+            <a:r>
+              <a:rPr lang="de-DE" dirty="0" err="1"/>
+              <a:t>Educts</a:t>
+            </a:r>
+            <a:r>
+              <a:rPr lang="de-DE" dirty="0"/>
+              <a:t>:[</a:t>
+            </a:r>
+            <a:r>
+              <a:rPr lang="de-DE" dirty="0" err="1"/>
+              <a:t>Dinitrogen</a:t>
+            </a:r>
+            <a:r>
+              <a:rPr lang="de-DE" dirty="0"/>
+              <a:t>, Hydrogen],</a:t>
+            </a:r>
+          </a:p>
+          <a:p>
+            <a:r>
+              <a:rPr lang="de-DE" dirty="0"/>
+              <a:t>	     Products:[</a:t>
+            </a:r>
+            <a:r>
+              <a:rPr lang="de-DE" dirty="0" err="1"/>
+              <a:t>Ammonia</a:t>
+            </a:r>
+            <a:r>
+              <a:rPr lang="de-DE" dirty="0"/>
+              <a:t>],</a:t>
+            </a:r>
+          </a:p>
+          <a:p>
+            <a:r>
+              <a:rPr lang="de-DE" dirty="0"/>
+              <a:t>	     </a:t>
+            </a:r>
+            <a:r>
+              <a:rPr lang="de-DE" dirty="0" err="1"/>
+              <a:t>Catalyst</a:t>
+            </a:r>
+            <a:r>
+              <a:rPr lang="de-DE" dirty="0"/>
+              <a:t>:[Iron, Nickel]},</a:t>
+            </a:r>
+          </a:p>
+          <a:p>
+            <a:r>
+              <a:rPr lang="de-DE" dirty="0" err="1"/>
+              <a:t>Methanation</a:t>
+            </a:r>
+            <a:r>
+              <a:rPr lang="de-DE" dirty="0"/>
+              <a:t>:{</a:t>
+            </a:r>
+            <a:r>
+              <a:rPr lang="de-DE" dirty="0" err="1"/>
+              <a:t>Educts</a:t>
+            </a:r>
+            <a:r>
+              <a:rPr lang="de-DE" dirty="0"/>
+              <a:t>:[Carbon Dioxide, Hydrogen],</a:t>
+            </a:r>
+          </a:p>
+          <a:p>
+            <a:r>
+              <a:rPr lang="de-DE" dirty="0"/>
+              <a:t>	     Products:[</a:t>
+            </a:r>
+            <a:r>
+              <a:rPr lang="de-DE" dirty="0" err="1"/>
+              <a:t>Methane</a:t>
+            </a:r>
+            <a:r>
+              <a:rPr lang="de-DE" dirty="0"/>
+              <a:t>],</a:t>
+            </a:r>
+          </a:p>
+          <a:p>
+            <a:r>
+              <a:rPr lang="de-DE" dirty="0"/>
+              <a:t>	     </a:t>
+            </a:r>
+            <a:r>
+              <a:rPr lang="de-DE" dirty="0" err="1"/>
+              <a:t>Catalyst</a:t>
+            </a:r>
+            <a:r>
+              <a:rPr lang="de-DE" dirty="0"/>
+              <a:t>:[Platinum]},</a:t>
+            </a:r>
+          </a:p>
+          <a:p>
+            <a:r>
+              <a:rPr lang="de-DE" dirty="0"/>
+              <a:t>...}</a:t>
+            </a:r>
+          </a:p>
+        </p:txBody>
+      </p:sp>
+      <p:pic>
+        <p:nvPicPr>
+          <p:cNvPr id="8" name="Picture 7"/>
+          <p:cNvPicPr>
+            <a:picLocks noChangeAspect="1"/>
+          </p:cNvPicPr>
+          <p:nvPr/>
+        </p:nvPicPr>
+        <p:blipFill>
+          <a:blip r:embed="rId2"/>
+          <a:stretch>
+            <a:fillRect/>
+          </a:stretch>
+        </p:blipFill>
+        <p:spPr>
+          <a:xfrm>
+            <a:off x="304800" y="3429000"/>
+            <a:ext cx="11696700" cy="2529411"/>
+          </a:xfrm>
+          <a:prstGeom prst="rect">
+            <a:avLst/>
+          </a:prstGeom>
+        </p:spPr>
+      </p:pic>
+    </p:spTree>
+    <p:extLst>
+      <p:ext uri="{BB962C8B-B14F-4D97-AF65-F5344CB8AC3E}">
+        <p14:creationId xmlns:p14="http://schemas.microsoft.com/office/powerpoint/2010/main" val="703853508"/>
+      </p:ext>
+    </p:extLst>
+  </p:cSld>
+  <p:clrMapOvr>
+    <a:masterClrMapping/>
+  </p:clrMapOvr>
+  <p:transition spd="med">
+    <p:push/>
+  </p:transition>
+  <p:timing>
+    <p:tnLst>
+      <p:par>
+        <p:cTn id="1" dur="indefinite" restart="never" nodeType="tmRoot"/>
+      </p:par>
+    </p:tnLst>
+  </p:timing>
+</p:sld>
+</file>
+
+<file path=ppt/slides/slide3.xml><?xml version="1.0" encoding="utf-8"?>
+<p:sld xmlns:a="http://schemas.openxmlformats.org/drawingml/2006/main" xmlns:r="http://schemas.openxmlformats.org/officeDocument/2006/relationships" xmlns:p="http://schemas.openxmlformats.org/presentationml/2006/main">
+  <p:cSld>
+    <p:spTree>
+      <p:nvGrpSpPr>
+        <p:cNvPr id="1" name=""/>
+        <p:cNvGrpSpPr/>
+        <p:nvPr/>
+      </p:nvGrpSpPr>
+      <p:grpSpPr>
+        <a:xfrm>
+          <a:off x="0" y="0"/>
+          <a:ext cx="0" cy="0"/>
+          <a:chOff x="0" y="0"/>
+          <a:chExt cx="0" cy="0"/>
+        </a:xfrm>
+      </p:grpSpPr>
+      <p:sp>
+        <p:nvSpPr>
+          <p:cNvPr id="2" name="Title 1">
+            <a:extLst>
+              <a:ext uri="{FF2B5EF4-FFF2-40B4-BE49-F238E27FC236}">
+                <a16:creationId xmlns:a16="http://schemas.microsoft.com/office/drawing/2014/main" id="{B3F0931E-765B-4C00-A35E-D69283F4F91D}"/>
+              </a:ext>
+            </a:extLst>
+          </p:cNvPr>
+          <p:cNvSpPr>
+            <a:spLocks noGrp="1"/>
+          </p:cNvSpPr>
+          <p:nvPr>
+            <p:ph type="title"/>
+          </p:nvPr>
+        </p:nvSpPr>
+        <p:spPr/>
+        <p:txBody>
+          <a:bodyPr>
+            <a:normAutofit fontScale="90000"/>
+          </a:bodyPr>
+          <a:lstStyle/>
+          <a:p>
+            <a:r>
+              <a:rPr lang="de-DE" dirty="0" smtClean="0"/>
+              <a:t>Working </a:t>
+            </a:r>
+            <a:r>
+              <a:rPr lang="de-DE" dirty="0" err="1" smtClean="0"/>
+              <a:t>Principle</a:t>
+            </a:r>
+            <a:r>
+              <a:rPr lang="de-DE" dirty="0" smtClean="0"/>
+              <a:t> </a:t>
+            </a:r>
+            <a:r>
+              <a:rPr lang="de-DE" dirty="0" err="1" smtClean="0"/>
+              <a:t>of</a:t>
+            </a:r>
+            <a:r>
+              <a:rPr lang="de-DE" dirty="0" smtClean="0"/>
+              <a:t> Reac4Cat </a:t>
+            </a:r>
+            <a:r>
+              <a:rPr lang="de-DE" dirty="0" err="1" smtClean="0"/>
+              <a:t>Ontology</a:t>
+            </a:r>
+            <a:endParaRPr lang="en-US" dirty="0"/>
+          </a:p>
+        </p:txBody>
+      </p:sp>
+      <p:sp>
+        <p:nvSpPr>
+          <p:cNvPr id="3" name="Text Placeholder 2">
+            <a:extLst>
+              <a:ext uri="{FF2B5EF4-FFF2-40B4-BE49-F238E27FC236}">
+                <a16:creationId xmlns:a16="http://schemas.microsoft.com/office/drawing/2014/main" id="{4BD4CF05-A8CD-457C-9738-F824127E127D}"/>
+              </a:ext>
+            </a:extLst>
+          </p:cNvPr>
+          <p:cNvSpPr>
+            <a:spLocks noGrp="1"/>
+          </p:cNvSpPr>
+          <p:nvPr>
+            <p:ph type="body" idx="1"/>
+          </p:nvPr>
+        </p:nvSpPr>
+        <p:spPr/>
+        <p:txBody>
+          <a:bodyPr>
+            <a:noAutofit/>
+          </a:bodyPr>
+          <a:lstStyle/>
+          <a:p>
+            <a:r>
+              <a:rPr lang="de-DE" sz="2200" b="1" dirty="0" smtClean="0"/>
+              <a:t>Just </a:t>
+            </a:r>
+            <a:r>
+              <a:rPr lang="de-DE" sz="2200" b="1" dirty="0" err="1" smtClean="0"/>
+              <a:t>once</a:t>
+            </a:r>
+            <a:r>
+              <a:rPr lang="de-DE" sz="2200" b="1" dirty="0" smtClean="0"/>
+              <a:t> </a:t>
+            </a:r>
+            <a:r>
+              <a:rPr lang="de-DE" sz="2200" b="1" dirty="0" err="1" smtClean="0"/>
+              <a:t>get</a:t>
+            </a:r>
+            <a:r>
+              <a:rPr lang="de-DE" sz="2200" b="1" dirty="0" smtClean="0"/>
+              <a:t> </a:t>
+            </a:r>
+            <a:r>
+              <a:rPr lang="de-DE" sz="2200" b="1" dirty="0" err="1" smtClean="0"/>
+              <a:t>information</a:t>
+            </a:r>
+            <a:r>
+              <a:rPr lang="de-DE" sz="2200" b="1" dirty="0" smtClean="0"/>
+              <a:t> on </a:t>
+            </a:r>
+            <a:r>
+              <a:rPr lang="de-DE" sz="2200" b="1" dirty="0" err="1" smtClean="0"/>
+              <a:t>necessary</a:t>
+            </a:r>
+            <a:r>
+              <a:rPr lang="de-DE" sz="2200" b="1" dirty="0" smtClean="0"/>
+              <a:t> </a:t>
+            </a:r>
+            <a:r>
+              <a:rPr lang="de-DE" sz="2200" b="1" dirty="0" err="1" smtClean="0"/>
+              <a:t>participants</a:t>
+            </a:r>
+            <a:r>
+              <a:rPr lang="de-DE" sz="2200" b="1" dirty="0" smtClean="0"/>
+              <a:t> in </a:t>
+            </a:r>
+            <a:r>
+              <a:rPr lang="de-DE" sz="2200" b="1" dirty="0" err="1" smtClean="0"/>
+              <a:t>reaction</a:t>
+            </a:r>
+            <a:r>
+              <a:rPr lang="de-DE" sz="2200" b="1" dirty="0" smtClean="0"/>
+              <a:t>:</a:t>
+            </a:r>
+          </a:p>
+          <a:p>
+            <a:pPr lvl="1"/>
+            <a:r>
+              <a:rPr lang="de-DE" sz="2200" dirty="0" smtClean="0"/>
+              <a:t>Information </a:t>
+            </a:r>
+            <a:r>
+              <a:rPr lang="de-DE" sz="2200" dirty="0" err="1" smtClean="0"/>
+              <a:t>needed</a:t>
+            </a:r>
+            <a:r>
+              <a:rPr lang="de-DE" sz="2200" dirty="0" smtClean="0"/>
+              <a:t> like </a:t>
+            </a:r>
+            <a:r>
+              <a:rPr lang="de-DE" sz="2200" dirty="0" err="1" smtClean="0"/>
+              <a:t>this</a:t>
+            </a:r>
+            <a:r>
+              <a:rPr lang="de-DE" sz="2200" dirty="0" smtClean="0"/>
+              <a:t> ONCE:</a:t>
+            </a:r>
+            <a:br>
+              <a:rPr lang="de-DE" sz="2200" dirty="0" smtClean="0"/>
+            </a:br>
+            <a:r>
+              <a:rPr lang="de-DE" sz="2200" dirty="0" smtClean="0"/>
+              <a:t>e.g.: Haber Bosch </a:t>
+            </a:r>
+            <a:r>
+              <a:rPr lang="de-DE" sz="2200" dirty="0" err="1" smtClean="0"/>
+              <a:t>reaction</a:t>
+            </a:r>
+            <a:r>
+              <a:rPr lang="de-DE" sz="2200" dirty="0" smtClean="0"/>
+              <a:t> </a:t>
+            </a:r>
+            <a:r>
+              <a:rPr lang="de-DE" sz="2200" dirty="0" err="1" smtClean="0"/>
+              <a:t>has</a:t>
+            </a:r>
+            <a:r>
+              <a:rPr lang="de-DE" sz="2200" dirty="0" smtClean="0"/>
+              <a:t> N</a:t>
+            </a:r>
+            <a:r>
+              <a:rPr lang="de-DE" sz="2200" baseline="-25000" dirty="0" smtClean="0"/>
+              <a:t>2</a:t>
+            </a:r>
+            <a:r>
+              <a:rPr lang="de-DE" sz="2200" dirty="0" smtClean="0"/>
+              <a:t> </a:t>
+            </a:r>
+            <a:r>
+              <a:rPr lang="de-DE" sz="2200" dirty="0" err="1" smtClean="0"/>
+              <a:t>and</a:t>
+            </a:r>
+            <a:r>
+              <a:rPr lang="de-DE" sz="2200" dirty="0" smtClean="0"/>
+              <a:t> H</a:t>
+            </a:r>
+            <a:r>
+              <a:rPr lang="de-DE" sz="2200" baseline="-25000" dirty="0" smtClean="0"/>
+              <a:t>2</a:t>
+            </a:r>
+            <a:r>
+              <a:rPr lang="de-DE" sz="2200" dirty="0" smtClean="0"/>
+              <a:t> </a:t>
+            </a:r>
+            <a:r>
+              <a:rPr lang="de-DE" sz="2200" dirty="0" err="1" smtClean="0"/>
+              <a:t>as</a:t>
+            </a:r>
+            <a:r>
+              <a:rPr lang="de-DE" sz="2200" dirty="0" smtClean="0"/>
+              <a:t> </a:t>
+            </a:r>
+            <a:br>
+              <a:rPr lang="de-DE" sz="2200" dirty="0" smtClean="0"/>
+            </a:br>
+            <a:r>
+              <a:rPr lang="de-DE" sz="2200" dirty="0" err="1" smtClean="0"/>
+              <a:t>Educts</a:t>
+            </a:r>
+            <a:r>
+              <a:rPr lang="de-DE" sz="2200" dirty="0" smtClean="0"/>
+              <a:t>, </a:t>
+            </a:r>
+            <a:r>
+              <a:rPr lang="de-DE" sz="2200" dirty="0" err="1" smtClean="0"/>
+              <a:t>produces</a:t>
+            </a:r>
+            <a:r>
+              <a:rPr lang="de-DE" sz="2200" dirty="0" smtClean="0"/>
+              <a:t> NH</a:t>
+            </a:r>
+            <a:r>
+              <a:rPr lang="de-DE" sz="2200" baseline="-25000" dirty="0" smtClean="0"/>
+              <a:t>3</a:t>
+            </a:r>
+            <a:r>
+              <a:rPr lang="de-DE" sz="2200" dirty="0" smtClean="0"/>
+              <a:t> </a:t>
+            </a:r>
+            <a:r>
+              <a:rPr lang="de-DE" sz="2200" dirty="0" err="1" smtClean="0"/>
+              <a:t>and</a:t>
+            </a:r>
+            <a:r>
+              <a:rPr lang="de-DE" sz="2200" dirty="0" smtClean="0"/>
+              <a:t> </a:t>
+            </a:r>
+            <a:r>
+              <a:rPr lang="de-DE" sz="2200" dirty="0" err="1" smtClean="0"/>
+              <a:t>uses</a:t>
+            </a:r>
+            <a:r>
+              <a:rPr lang="de-DE" sz="2200" dirty="0" smtClean="0"/>
+              <a:t> Iron </a:t>
+            </a:r>
+            <a:r>
+              <a:rPr lang="de-DE" sz="2200" dirty="0" err="1" smtClean="0"/>
+              <a:t>or</a:t>
+            </a:r>
+            <a:r>
+              <a:rPr lang="de-DE" sz="2200" dirty="0" smtClean="0"/>
+              <a:t> Nickel </a:t>
+            </a:r>
+            <a:br>
+              <a:rPr lang="de-DE" sz="2200" dirty="0" smtClean="0"/>
+            </a:br>
+            <a:r>
+              <a:rPr lang="de-DE" sz="2200" dirty="0" err="1" smtClean="0"/>
+              <a:t>as</a:t>
+            </a:r>
+            <a:r>
+              <a:rPr lang="de-DE" sz="2200" dirty="0" smtClean="0"/>
+              <a:t> </a:t>
+            </a:r>
+            <a:r>
+              <a:rPr lang="de-DE" sz="2200" dirty="0" err="1" smtClean="0"/>
+              <a:t>catalyst</a:t>
+            </a:r>
+            <a:endParaRPr lang="de-DE" sz="2200" dirty="0" smtClean="0"/>
+          </a:p>
+          <a:p>
+            <a:pPr lvl="1"/>
+            <a:endParaRPr lang="de-DE" sz="2200" dirty="0" smtClean="0"/>
+          </a:p>
+          <a:p>
+            <a:endParaRPr lang="de-DE" sz="2200" b="1" dirty="0" smtClean="0"/>
+          </a:p>
+        </p:txBody>
+      </p:sp>
+      <p:sp>
+        <p:nvSpPr>
           <p:cNvPr id="4" name="Text Placeholder 3">
             <a:extLst>
               <a:ext uri="{FF2B5EF4-FFF2-40B4-BE49-F238E27FC236}">
@@ -16469,7 +17114,6 @@
               <a:rPr lang="de-DE" b="1" dirty="0" smtClean="0"/>
               <a:t>:</a:t>
             </a:r>
-            <a:endParaRPr lang="de-DE" b="1" dirty="0" smtClean="0"/>
           </a:p>
           <a:p>
             <a:pPr lvl="1"/>
@@ -16523,11 +17167,27 @@
             </a:r>
             <a:r>
               <a:rPr lang="de-DE" dirty="0" smtClean="0"/>
-              <a:t> – Iron, N2, H2, CO2,… </a:t>
+              <a:t> – Iron, N2, H2, CO2,… and </a:t>
             </a:r>
             <a:r>
               <a:rPr lang="de-DE" dirty="0" err="1" smtClean="0"/>
-              <a:t>and</a:t>
+              <a:t>have</a:t>
+            </a:r>
+            <a:r>
+              <a:rPr lang="de-DE" dirty="0" smtClean="0"/>
+              <a:t> in </a:t>
+            </a:r>
+            <a:r>
+              <a:rPr lang="de-DE" dirty="0" err="1" smtClean="0"/>
+              <a:t>my</a:t>
+            </a:r>
+            <a:r>
+              <a:rPr lang="de-DE" dirty="0" smtClean="0"/>
+              <a:t> outlet </a:t>
+            </a:r>
+            <a:r>
+              <a:rPr lang="de-DE" dirty="0" err="1" smtClean="0"/>
+              <a:t>of</a:t>
             </a:r>
             <a:r>
               <a:rPr lang="de-DE" dirty="0" smtClean="0"/>
@@ -16535,23 +17195,7 @@
             </a:r>
             <a:r>
               <a:rPr lang="de-DE" dirty="0" err="1" smtClean="0"/>
-              <a:t>have</a:t>
-            </a:r>
-            <a:r>
-              <a:rPr lang="de-DE" dirty="0" smtClean="0"/>
-              <a:t> in </a:t>
-            </a:r>
-            <a:r>
-              <a:rPr lang="de-DE" dirty="0" err="1" smtClean="0"/>
-              <a:t>my</a:t>
-            </a:r>
-            <a:r>
-              <a:rPr lang="de-DE" dirty="0" smtClean="0"/>
-              <a:t> outlet </a:t>
-            </a:r>
-            <a:r>
-              <a:rPr lang="de-DE" dirty="0" err="1" smtClean="0"/>
-              <a:t>of</a:t>
+              <a:t>the</a:t>
             </a:r>
             <a:r>
               <a:rPr lang="de-DE" dirty="0" smtClean="0"/>
@@ -16559,7 +17203,7 @@
             </a:r>
             <a:r>
               <a:rPr lang="de-DE" dirty="0" err="1" smtClean="0"/>
-              <a:t>the</a:t>
+              <a:t>Reactor</a:t>
             </a:r>
             <a:r>
               <a:rPr lang="de-DE" dirty="0" smtClean="0"/>
@@ -16567,7 +17211,19 @@
             </a:r>
             <a:r>
               <a:rPr lang="de-DE" dirty="0" err="1" smtClean="0"/>
-              <a:t>Reactor</a:t>
+              <a:t>some</a:t>
+            </a:r>
+            <a:r>
+              <a:rPr lang="de-DE" dirty="0" smtClean="0"/>
+              <a:t> NH3</a:t>
+            </a:r>
+            <a:r>
+              <a:rPr lang="de-DE" dirty="0" smtClean="0"/>
+              <a:t>. </a:t>
+            </a:r>
+            <a:r>
+              <a:rPr lang="de-DE" dirty="0" err="1" smtClean="0"/>
+              <a:t>What</a:t>
             </a:r>
             <a:r>
               <a:rPr lang="de-DE" dirty="0" smtClean="0"/>
@@ -16575,12 +17231,45 @@
             </a:r>
             <a:r>
               <a:rPr lang="de-DE" dirty="0" err="1" smtClean="0"/>
-              <a:t>some</a:t>
+              <a:t>reactions</a:t>
             </a:r>
             <a:r>
               <a:rPr lang="de-DE" dirty="0" smtClean="0"/>
-              <a:t> NH3.“</a:t>
-            </a:r>
+              <a:t> </a:t>
+            </a:r>
+            <a:r>
+              <a:rPr lang="de-DE" dirty="0" err="1" smtClean="0"/>
+              <a:t>could</a:t>
+            </a:r>
+            <a:r>
+              <a:rPr lang="de-DE" dirty="0" smtClean="0"/>
+              <a:t> </a:t>
+            </a:r>
+            <a:r>
+              <a:rPr lang="de-DE" dirty="0" err="1" smtClean="0"/>
+              <a:t>have</a:t>
+            </a:r>
+            <a:r>
+              <a:rPr lang="de-DE" dirty="0" smtClean="0"/>
+              <a:t> </a:t>
+            </a:r>
+            <a:r>
+              <a:rPr lang="de-DE" dirty="0" err="1" smtClean="0"/>
+              <a:t>caused</a:t>
+            </a:r>
+            <a:r>
+              <a:rPr lang="de-DE" dirty="0" smtClean="0"/>
+              <a:t> </a:t>
+            </a:r>
+            <a:r>
+              <a:rPr lang="de-DE" dirty="0" err="1" smtClean="0"/>
+              <a:t>this</a:t>
+            </a:r>
+            <a:r>
+              <a:rPr lang="de-DE" dirty="0" smtClean="0"/>
+              <a:t>?“</a:t>
+            </a:r>
+            <a:endParaRPr lang="de-DE" dirty="0" smtClean="0"/>
           </a:p>
         </p:txBody>
       </p:sp>
@@ -16724,8 +17413,8 @@
         </p:nvSpPr>
         <p:spPr>
           <a:xfrm>
-            <a:off x="7315360" y="5062951"/>
-            <a:ext cx="4686140" cy="523220"/>
+            <a:off x="6969285" y="5248361"/>
+            <a:ext cx="4851400" cy="523220"/>
           </a:xfrm>
           <a:prstGeom prst="rect">
             <a:avLst/>
@@ -16810,7 +17499,7 @@
     </p:spTree>
     <p:extLst>
       <p:ext uri="{BB962C8B-B14F-4D97-AF65-F5344CB8AC3E}">
-        <p14:creationId xmlns:p14="http://schemas.microsoft.com/office/powerpoint/2010/main" val="703853508"/>
+        <p14:creationId xmlns:p14="http://schemas.microsoft.com/office/powerpoint/2010/main" val="73898767"/>
       </p:ext>
     </p:extLst>
   </p:cSld>
@@ -16830,7 +17519,7 @@
 </p:sld>
 </file>
 
-<file path=ppt/slides/slide3.xml><?xml version="1.0" encoding="utf-8"?>
+<file path=ppt/slides/slide4.xml><?xml version="1.0" encoding="utf-8"?>
 <p:sld xmlns:a="http://schemas.openxmlformats.org/drawingml/2006/main" xmlns:r="http://schemas.openxmlformats.org/officeDocument/2006/relationships" xmlns:p="http://schemas.openxmlformats.org/presentationml/2006/main">
   <p:cSld>
     <p:spTree>
@@ -17225,134 +17914,6 @@
   <p:transition spd="med">
     <p:push/>
   </p:transition>
-  <p:timing>
-    <p:tnLst>
-      <p:par>
-        <p:cTn id="1" dur="indefinite" restart="never" nodeType="tmRoot"/>
-      </p:par>
-    </p:tnLst>
-  </p:timing>
-</p:sld>
-</file>
-
-<file path=ppt/slides/slide4.xml><?xml version="1.0" encoding="utf-8"?>
-<p:sld xmlns:a="http://schemas.openxmlformats.org/drawingml/2006/main" xmlns:r="http://schemas.openxmlformats.org/officeDocument/2006/relationships" xmlns:p="http://schemas.openxmlformats.org/presentationml/2006/main">
-  <p:cSld>
-    <p:spTree>
-      <p:nvGrpSpPr>
-        <p:cNvPr id="1" name=""/>
-        <p:cNvGrpSpPr/>
-        <p:nvPr/>
-      </p:nvGrpSpPr>
-      <p:grpSpPr>
-        <a:xfrm>
-          <a:off x="0" y="0"/>
-          <a:ext cx="0" cy="0"/>
-          <a:chOff x="0" y="0"/>
-          <a:chExt cx="0" cy="0"/>
-        </a:xfrm>
-      </p:grpSpPr>
-      <p:sp>
-        <p:nvSpPr>
-          <p:cNvPr id="2" name="Title 1">
-            <a:extLst>
-              <a:ext uri="{FF2B5EF4-FFF2-40B4-BE49-F238E27FC236}">
-                <a16:creationId xmlns:a16="http://schemas.microsoft.com/office/drawing/2014/main" id="{D07A7280-D245-44F2-B9C3-C6B02FA72852}"/>
-              </a:ext>
-            </a:extLst>
-          </p:cNvPr>
-          <p:cNvSpPr>
-            <a:spLocks noGrp="1"/>
-          </p:cNvSpPr>
-          <p:nvPr>
-            <p:ph type="ctrTitle"/>
-          </p:nvPr>
-        </p:nvSpPr>
-        <p:spPr/>
-        <p:txBody>
-          <a:bodyPr/>
-          <a:lstStyle/>
-          <a:p>
-            <a:r>
-              <a:rPr lang="de-DE" dirty="0" err="1"/>
-              <a:t>Thank</a:t>
-            </a:r>
-            <a:r>
-              <a:rPr lang="de-DE" dirty="0"/>
-              <a:t> </a:t>
-            </a:r>
-            <a:r>
-              <a:rPr lang="de-DE" dirty="0" err="1"/>
-              <a:t>You</a:t>
-            </a:r>
-            <a:r>
-              <a:rPr lang="de-DE" dirty="0"/>
-              <a:t>!</a:t>
-            </a:r>
-            <a:endParaRPr lang="en-US" dirty="0"/>
-          </a:p>
-        </p:txBody>
-      </p:sp>
-      <p:sp>
-        <p:nvSpPr>
-          <p:cNvPr id="3" name="Subtitle 2">
-            <a:extLst>
-              <a:ext uri="{FF2B5EF4-FFF2-40B4-BE49-F238E27FC236}">
-                <a16:creationId xmlns:a16="http://schemas.microsoft.com/office/drawing/2014/main" id="{8064A438-E2FB-483E-932F-30D4FFEB4EB1}"/>
-              </a:ext>
-            </a:extLst>
-          </p:cNvPr>
-          <p:cNvSpPr>
-            <a:spLocks noGrp="1"/>
-          </p:cNvSpPr>
-          <p:nvPr>
-            <p:ph type="subTitle" idx="1"/>
-          </p:nvPr>
-        </p:nvSpPr>
-        <p:spPr/>
-        <p:txBody>
-          <a:bodyPr/>
-          <a:lstStyle/>
-          <a:p>
-            <a:endParaRPr lang="en-US" dirty="0"/>
-          </a:p>
-        </p:txBody>
-      </p:sp>
-      <p:sp>
-        <p:nvSpPr>
-          <p:cNvPr id="4" name="Text Placeholder 3">
-            <a:extLst>
-              <a:ext uri="{FF2B5EF4-FFF2-40B4-BE49-F238E27FC236}">
-                <a16:creationId xmlns:a16="http://schemas.microsoft.com/office/drawing/2014/main" id="{9A974691-2A14-431B-B848-6A04C2324D89}"/>
-              </a:ext>
-            </a:extLst>
-          </p:cNvPr>
-          <p:cNvSpPr>
-            <a:spLocks noGrp="1"/>
-          </p:cNvSpPr>
-          <p:nvPr>
-            <p:ph type="body" idx="2"/>
-          </p:nvPr>
-        </p:nvSpPr>
-        <p:spPr/>
-        <p:txBody>
-          <a:bodyPr/>
-          <a:lstStyle/>
-          <a:p>
-            <a:endParaRPr lang="en-US"/>
-          </a:p>
-        </p:txBody>
-      </p:sp>
-    </p:spTree>
-    <p:extLst>
-      <p:ext uri="{BB962C8B-B14F-4D97-AF65-F5344CB8AC3E}">
-        <p14:creationId xmlns:p14="http://schemas.microsoft.com/office/powerpoint/2010/main" val="2521140576"/>
-      </p:ext>
-    </p:extLst>
-  </p:cSld>
-  <p:clrMapOvr>
-    <a:masterClrMapping/>
-  </p:clrMapOvr>
   <p:timing>
     <p:tnLst>
       <p:par>
@@ -18204,4 +18765,265 @@
   <a:objectDefaults/>
   <a:extraClrSchemeLst/>
 </a:theme>
+</file>
+
+<file path=ppt/theme/theme4.xml><?xml version="1.0" encoding="utf-8"?>
+<a:theme xmlns:a="http://schemas.openxmlformats.org/drawingml/2006/main" name="Office Theme">
+  <a:themeElements>
+    <a:clrScheme name="Office">
+      <a:dk1>
+        <a:sysClr val="windowText" lastClr="000000"/>
+      </a:dk1>
+      <a:lt1>
+        <a:sysClr val="window" lastClr="FFFFFF"/>
+      </a:lt1>
+      <a:dk2>
+        <a:srgbClr val="44546A"/>
+      </a:dk2>
+      <a:lt2>
+        <a:srgbClr val="E7E6E6"/>
+      </a:lt2>
+      <a:accent1>
+        <a:srgbClr val="5B9BD5"/>
+      </a:accent1>
+      <a:accent2>
+        <a:srgbClr val="ED7D31"/>
+      </a:accent2>
+      <a:accent3>
+        <a:srgbClr val="A5A5A5"/>
+      </a:accent3>
+      <a:accent4>
+        <a:srgbClr val="FFC000"/>
+      </a:accent4>
+      <a:accent5>
+        <a:srgbClr val="4472C4"/>
+      </a:accent5>
+      <a:accent6>
+        <a:srgbClr val="70AD47"/>
+      </a:accent6>
+      <a:hlink>
+        <a:srgbClr val="0563C1"/>
+      </a:hlink>
+      <a:folHlink>
+        <a:srgbClr val="954F72"/>
+      </a:folHlink>
+    </a:clrScheme>
+    <a:fontScheme name="Office">
+      <a:majorFont>
+        <a:latin typeface="Calibri Light" panose="020F0302020204030204"/>
+        <a:ea typeface=""/>
+        <a:cs typeface=""/>
+        <a:font script="Jpan" typeface="游ゴシック Light"/>
+        <a:font script="Hang" typeface="맑은 고딕"/>
+        <a:font script="Hans" typeface="等线 Light"/>
+        <a:font script="Hant" typeface="新細明體"/>
+        <a:font script="Arab" typeface="Times New Roman"/>
+        <a:font script="Hebr" typeface="Times New Roman"/>
+        <a:font script="Thai" typeface="Angsana New"/>
+        <a:font script="Ethi" typeface="Nyala"/>
+        <a:font script="Beng" typeface="Vrinda"/>
+        <a:font script="Gujr" typeface="Shruti"/>
+        <a:font script="Khmr" typeface="MoolBoran"/>
+        <a:font script="Knda" typeface="Tunga"/>
+        <a:font script="Guru" typeface="Raavi"/>
+        <a:font script="Cans" typeface="Euphemia"/>
+        <a:font script="Cher" typeface="Plantagenet Cherokee"/>
+        <a:font script="Yiii" typeface="Microsoft Yi Baiti"/>
+        <a:font script="Tibt" typeface="Microsoft Himalaya"/>
+        <a:font script="Thaa" typeface="MV Boli"/>
+        <a:font script="Deva" typeface="Mangal"/>
+        <a:font script="Telu" typeface="Gautami"/>
+        <a:font script="Taml" typeface="Latha"/>
+        <a:font script="Syrc" typeface="Estrangelo Edessa"/>
+        <a:font script="Orya" typeface="Kalinga"/>
+        <a:font script="Mlym" typeface="Kartika"/>
+        <a:font script="Laoo" typeface="DokChampa"/>
+        <a:font script="Sinh" typeface="Iskoola Pota"/>
+        <a:font script="Mong" typeface="Mongolian Baiti"/>
+        <a:font script="Viet" typeface="Times New Roman"/>
+        <a:font script="Uigh" typeface="Microsoft Uighur"/>
+        <a:font script="Geor" typeface="Sylfaen"/>
+      </a:majorFont>
+      <a:minorFont>
+        <a:latin typeface="Calibri" panose="020F0502020204030204"/>
+        <a:ea typeface=""/>
+        <a:cs typeface=""/>
+        <a:font script="Jpan" typeface="游ゴシック"/>
+        <a:font script="Hang" typeface="맑은 고딕"/>
+        <a:font script="Hans" typeface="等线"/>
+        <a:font script="Hant" typeface="新細明體"/>
+        <a:font script="Arab" typeface="Arial"/>
+        <a:font script="Hebr" typeface="Arial"/>
+        <a:font script="Thai" typeface="Cordia New"/>
+        <a:font script="Ethi" typeface="Nyala"/>
+        <a:font script="Beng" typeface="Vrinda"/>
+        <a:font script="Gujr" typeface="Shruti"/>
+        <a:font script="Khmr" typeface="DaunPenh"/>
+        <a:font script="Knda" typeface="Tunga"/>
+        <a:font script="Guru" typeface="Raavi"/>
+        <a:font script="Cans" typeface="Euphemia"/>
+        <a:font script="Cher" typeface="Plantagenet Cherokee"/>
+        <a:font script="Yiii" typeface="Microsoft Yi Baiti"/>
+        <a:font script="Tibt" typeface="Microsoft Himalaya"/>
+        <a:font script="Thaa" typeface="MV Boli"/>
+        <a:font script="Deva" typeface="Mangal"/>
+        <a:font script="Telu" typeface="Gautami"/>
+        <a:font script="Taml" typeface="Latha"/>
+        <a:font script="Syrc" typeface="Estrangelo Edessa"/>
+        <a:font script="Orya" typeface="Kalinga"/>
+        <a:font script="Mlym" typeface="Kartika"/>
+        <a:font script="Laoo" typeface="DokChampa"/>
+        <a:font script="Sinh" typeface="Iskoola Pota"/>
+        <a:font script="Mong" typeface="Mongolian Baiti"/>
+        <a:font script="Viet" typeface="Arial"/>
+        <a:font script="Uigh" typeface="Microsoft Uighur"/>
+        <a:font script="Geor" typeface="Sylfaen"/>
+      </a:minorFont>
+    </a:fontScheme>
+    <a:fmtScheme name="Office">
+      <a:fillStyleLst>
+        <a:solidFill>
+          <a:schemeClr val="phClr"/>
+        </a:solidFill>
+        <a:gradFill rotWithShape="1">
+          <a:gsLst>
+            <a:gs pos="0">
+              <a:schemeClr val="phClr">
+                <a:lumMod val="110000"/>
+                <a:satMod val="105000"/>
+                <a:tint val="67000"/>
+              </a:schemeClr>
+            </a:gs>
+            <a:gs pos="50000">
+              <a:schemeClr val="phClr">
+                <a:lumMod val="105000"/>
+                <a:satMod val="103000"/>
+                <a:tint val="73000"/>
+              </a:schemeClr>
+            </a:gs>
+            <a:gs pos="100000">
+              <a:schemeClr val="phClr">
+                <a:lumMod val="105000"/>
+                <a:satMod val="109000"/>
+                <a:tint val="81000"/>
+              </a:schemeClr>
+            </a:gs>
+          </a:gsLst>
+          <a:lin ang="5400000" scaled="0"/>
+        </a:gradFill>
+        <a:gradFill rotWithShape="1">
+          <a:gsLst>
+            <a:gs pos="0">
+              <a:schemeClr val="phClr">
+                <a:satMod val="103000"/>
+                <a:lumMod val="102000"/>
+                <a:tint val="94000"/>
+              </a:schemeClr>
+            </a:gs>
+            <a:gs pos="50000">
+              <a:schemeClr val="phClr">
+                <a:satMod val="110000"/>
+                <a:lumMod val="100000"/>
+                <a:shade val="100000"/>
+              </a:schemeClr>
+            </a:gs>
+            <a:gs pos="100000">
+              <a:schemeClr val="phClr">
+                <a:lumMod val="99000"/>
+                <a:satMod val="120000"/>
+                <a:shade val="78000"/>
+              </a:schemeClr>
+            </a:gs>
+          </a:gsLst>
+          <a:lin ang="5400000" scaled="0"/>
+        </a:gradFill>
+      </a:fillStyleLst>
+      <a:lnStyleLst>
+        <a:ln w="6350" cap="flat" cmpd="sng" algn="ctr">
+          <a:solidFill>
+            <a:schemeClr val="phClr"/>
+          </a:solidFill>
+          <a:prstDash val="solid"/>
+          <a:miter lim="800000"/>
+        </a:ln>
+        <a:ln w="12700" cap="flat" cmpd="sng" algn="ctr">
+          <a:solidFill>
+            <a:schemeClr val="phClr"/>
+          </a:solidFill>
+          <a:prstDash val="solid"/>
+          <a:miter lim="800000"/>
+        </a:ln>
+        <a:ln w="19050" cap="flat" cmpd="sng" algn="ctr">
+          <a:solidFill>
+            <a:schemeClr val="phClr"/>
+          </a:solidFill>
+          <a:prstDash val="solid"/>
+          <a:miter lim="800000"/>
+        </a:ln>
+      </a:lnStyleLst>
+      <a:effectStyleLst>
+        <a:effectStyle>
+          <a:effectLst/>
+        </a:effectStyle>
+        <a:effectStyle>
+          <a:effectLst/>
+        </a:effectStyle>
+        <a:effectStyle>
+          <a:effectLst>
+            <a:outerShdw blurRad="57150" dist="19050" dir="5400000" algn="ctr" rotWithShape="0">
+              <a:srgbClr val="000000">
+                <a:alpha val="63000"/>
+              </a:srgbClr>
+            </a:outerShdw>
+          </a:effectLst>
+        </a:effectStyle>
+      </a:effectStyleLst>
+      <a:bgFillStyleLst>
+        <a:solidFill>
+          <a:schemeClr val="phClr"/>
+        </a:solidFill>
+        <a:solidFill>
+          <a:schemeClr val="phClr">
+            <a:tint val="95000"/>
+            <a:satMod val="170000"/>
+          </a:schemeClr>
+        </a:solidFill>
+        <a:gradFill rotWithShape="1">
+          <a:gsLst>
+            <a:gs pos="0">
+              <a:schemeClr val="phClr">
+                <a:tint val="93000"/>
+                <a:satMod val="150000"/>
+                <a:shade val="98000"/>
+                <a:lumMod val="102000"/>
+              </a:schemeClr>
+            </a:gs>
+            <a:gs pos="50000">
+              <a:schemeClr val="phClr">
+                <a:tint val="98000"/>
+                <a:satMod val="130000"/>
+                <a:shade val="90000"/>
+                <a:lumMod val="103000"/>
+              </a:schemeClr>
+            </a:gs>
+            <a:gs pos="100000">
+              <a:schemeClr val="phClr">
+                <a:shade val="63000"/>
+                <a:satMod val="120000"/>
+              </a:schemeClr>
+            </a:gs>
+          </a:gsLst>
+          <a:lin ang="5400000" scaled="0"/>
+        </a:gradFill>
+      </a:bgFillStyleLst>
+    </a:fmtScheme>
+  </a:themeElements>
+  <a:objectDefaults/>
+  <a:extraClrSchemeLst/>
+  <a:extLst>
+    <a:ext uri="{05A4C25C-085E-4340-85A3-A5531E510DB2}">
+      <thm15:themeFamily xmlns:thm15="http://schemas.microsoft.com/office/thememl/2012/main" name="Office Theme" id="{62F939B6-93AF-4DB8-9C6B-D6C7DFDC589F}" vid="{4A3C46E8-61CC-4603-A589-7422A47A8E4A}"/>
+    </a:ext>
+  </a:extLst>
+</a:theme>
 </file>
--- a/WorkingPrinciple-Reac4CatOntology.pptx
+++ b/WorkingPrinciple-Reac4CatOntology.pptx
@@ -354,7 +354,7 @@
           <a:p>
             <a:fld id="{68770B1A-BB42-4DC9-9A9C-95B3394E4A64}" type="datetimeFigureOut">
               <a:rPr lang="en-US" smtClean="0"/>
-              <a:t>8/7/2023</a:t>
+              <a:t>11/3/2023</a:t>
             </a:fld>
             <a:endParaRPr lang="en-US"/>
           </a:p>
@@ -12865,7 +12865,7 @@
         <p:fade/>
       </p:transition>
     </mc:Choice>
-    <mc:Fallback xmlns:ahyp="http://schemas.microsoft.com/office/drawing/2018/hyperlinkcolor" xmlns:p15="http://schemas.microsoft.com/office/powerpoint/2012/main" xmlns:com="http://schemas.openxmlformats.org/drawingml/2006/compatibility" xmlns:pvml="urn:schemas-microsoft-com:office:powerpoint" xmlns:v="urn:schemas-microsoft-com:vml" xmlns:o="urn:schemas-microsoft-com:office:office" xmlns:dgm="http://schemas.openxmlformats.org/drawingml/2006/diagram" xmlns:c="http://schemas.openxmlformats.org/drawingml/2006/chart" xmlns:mv="urn:schemas-microsoft-com:mac:vml" xmlns="">
+    <mc:Fallback xmlns="" xmlns:mv="urn:schemas-microsoft-com:mac:vml" xmlns:c="http://schemas.openxmlformats.org/drawingml/2006/chart" xmlns:dgm="http://schemas.openxmlformats.org/drawingml/2006/diagram" xmlns:o="urn:schemas-microsoft-com:office:office" xmlns:v="urn:schemas-microsoft-com:vml" xmlns:pvml="urn:schemas-microsoft-com:office:powerpoint" xmlns:com="http://schemas.openxmlformats.org/drawingml/2006/compatibility" xmlns:p15="http://schemas.microsoft.com/office/powerpoint/2012/main" xmlns:ahyp="http://schemas.microsoft.com/office/drawing/2018/hyperlinkcolor">
       <p:transition spd="slow">
         <p:fade/>
       </p:transition>
@@ -16086,7 +16086,7 @@
         </p:spPr>
         <p:txBody>
           <a:bodyPr spcFirstLastPara="1" wrap="square" lIns="91425" tIns="45700" rIns="91425" bIns="45700" anchor="b" anchorCtr="0">
-            <a:normAutofit fontScale="90000"/>
+            <a:normAutofit/>
           </a:bodyPr>
           <a:lstStyle/>
           <a:p>
@@ -16106,14 +16106,7 @@
             </a:pPr>
             <a:r>
               <a:rPr lang="de-DE" dirty="0" smtClean="0"/>
-              <a:t/>
-            </a:r>
-            <a:br>
-              <a:rPr lang="de-DE" dirty="0" smtClean="0"/>
-            </a:br>
-            <a:r>
-              <a:rPr lang="de-DE" dirty="0" smtClean="0"/>
-              <a:t>Alexander Behr</a:t>
+              <a:t>Hendrik Borgelt, Alexander Behr</a:t>
             </a:r>
             <a:r>
               <a:rPr lang="de-DE" dirty="0"/>
@@ -16217,8 +16210,8 @@
               <a:buNone/>
             </a:pPr>
             <a:r>
-              <a:rPr lang="de-DE" dirty="0"/>
-              <a:t>Aug - 2023</a:t>
+              <a:rPr lang="de-DE" dirty="0" smtClean="0"/>
+              <a:t>03.11.2023</a:t>
             </a:r>
             <a:endParaRPr dirty="0"/>
           </a:p>
@@ -17215,11 +17208,7 @@
             </a:r>
             <a:r>
               <a:rPr lang="de-DE" dirty="0" smtClean="0"/>
-              <a:t> NH3</a:t>
-            </a:r>
-            <a:r>
-              <a:rPr lang="de-DE" dirty="0" smtClean="0"/>
-              <a:t>. </a:t>
+              <a:t> NH3. </a:t>
             </a:r>
             <a:r>
               <a:rPr lang="de-DE" dirty="0" err="1" smtClean="0"/>
@@ -17269,7 +17258,6 @@
               <a:rPr lang="de-DE" dirty="0" smtClean="0"/>
               <a:t>?“</a:t>
             </a:r>
-            <a:endParaRPr lang="de-DE" dirty="0" smtClean="0"/>
           </a:p>
         </p:txBody>
       </p:sp>
